--- a/Sistema mercado.pptx
+++ b/Sistema mercado.pptx
@@ -290,7 +290,8 @@
           <a:p>
             <a:fld id="{B07EB38F-BE36-4B26-ABD4-C095BF7D7C9E}" type="datetimeFigureOut">
               <a:rPr lang="pt-BR" smtClean="0"/>
-              <a:t>14/11/2020</a:t>
+              <a:pPr/>
+              <a:t>21/12/2020</a:t>
             </a:fld>
             <a:endParaRPr lang="pt-BR"/>
           </a:p>
@@ -332,6 +333,7 @@
           <a:p>
             <a:fld id="{80328651-1605-4657-AF0E-ED7D56579644}" type="slidenum">
               <a:rPr lang="pt-BR" smtClean="0"/>
+              <a:pPr/>
               <a:t>‹nº›</a:t>
             </a:fld>
             <a:endParaRPr lang="pt-BR"/>
@@ -455,7 +457,8 @@
           <a:p>
             <a:fld id="{B07EB38F-BE36-4B26-ABD4-C095BF7D7C9E}" type="datetimeFigureOut">
               <a:rPr lang="pt-BR" smtClean="0"/>
-              <a:t>14/11/2020</a:t>
+              <a:pPr/>
+              <a:t>21/12/2020</a:t>
             </a:fld>
             <a:endParaRPr lang="pt-BR"/>
           </a:p>
@@ -497,6 +500,7 @@
           <a:p>
             <a:fld id="{80328651-1605-4657-AF0E-ED7D56579644}" type="slidenum">
               <a:rPr lang="pt-BR" smtClean="0"/>
+              <a:pPr/>
               <a:t>‹nº›</a:t>
             </a:fld>
             <a:endParaRPr lang="pt-BR"/>
@@ -630,7 +634,8 @@
           <a:p>
             <a:fld id="{B07EB38F-BE36-4B26-ABD4-C095BF7D7C9E}" type="datetimeFigureOut">
               <a:rPr lang="pt-BR" smtClean="0"/>
-              <a:t>14/11/2020</a:t>
+              <a:pPr/>
+              <a:t>21/12/2020</a:t>
             </a:fld>
             <a:endParaRPr lang="pt-BR"/>
           </a:p>
@@ -672,6 +677,7 @@
           <a:p>
             <a:fld id="{80328651-1605-4657-AF0E-ED7D56579644}" type="slidenum">
               <a:rPr lang="pt-BR" smtClean="0"/>
+              <a:pPr/>
               <a:t>‹nº›</a:t>
             </a:fld>
             <a:endParaRPr lang="pt-BR"/>
@@ -795,7 +801,8 @@
           <a:p>
             <a:fld id="{B07EB38F-BE36-4B26-ABD4-C095BF7D7C9E}" type="datetimeFigureOut">
               <a:rPr lang="pt-BR" smtClean="0"/>
-              <a:t>14/11/2020</a:t>
+              <a:pPr/>
+              <a:t>21/12/2020</a:t>
             </a:fld>
             <a:endParaRPr lang="pt-BR"/>
           </a:p>
@@ -837,6 +844,7 @@
           <a:p>
             <a:fld id="{80328651-1605-4657-AF0E-ED7D56579644}" type="slidenum">
               <a:rPr lang="pt-BR" smtClean="0"/>
+              <a:pPr/>
               <a:t>‹nº›</a:t>
             </a:fld>
             <a:endParaRPr lang="pt-BR"/>
@@ -1036,7 +1044,8 @@
           <a:p>
             <a:fld id="{B07EB38F-BE36-4B26-ABD4-C095BF7D7C9E}" type="datetimeFigureOut">
               <a:rPr lang="pt-BR" smtClean="0"/>
-              <a:t>14/11/2020</a:t>
+              <a:pPr/>
+              <a:t>21/12/2020</a:t>
             </a:fld>
             <a:endParaRPr lang="pt-BR"/>
           </a:p>
@@ -1078,6 +1087,7 @@
           <a:p>
             <a:fld id="{80328651-1605-4657-AF0E-ED7D56579644}" type="slidenum">
               <a:rPr lang="pt-BR" smtClean="0"/>
+              <a:pPr/>
               <a:t>‹nº›</a:t>
             </a:fld>
             <a:endParaRPr lang="pt-BR"/>
@@ -1319,7 +1329,8 @@
           <a:p>
             <a:fld id="{B07EB38F-BE36-4B26-ABD4-C095BF7D7C9E}" type="datetimeFigureOut">
               <a:rPr lang="pt-BR" smtClean="0"/>
-              <a:t>14/11/2020</a:t>
+              <a:pPr/>
+              <a:t>21/12/2020</a:t>
             </a:fld>
             <a:endParaRPr lang="pt-BR"/>
           </a:p>
@@ -1361,6 +1372,7 @@
           <a:p>
             <a:fld id="{80328651-1605-4657-AF0E-ED7D56579644}" type="slidenum">
               <a:rPr lang="pt-BR" smtClean="0"/>
+              <a:pPr/>
               <a:t>‹nº›</a:t>
             </a:fld>
             <a:endParaRPr lang="pt-BR"/>
@@ -1736,7 +1748,8 @@
           <a:p>
             <a:fld id="{B07EB38F-BE36-4B26-ABD4-C095BF7D7C9E}" type="datetimeFigureOut">
               <a:rPr lang="pt-BR" smtClean="0"/>
-              <a:t>14/11/2020</a:t>
+              <a:pPr/>
+              <a:t>21/12/2020</a:t>
             </a:fld>
             <a:endParaRPr lang="pt-BR"/>
           </a:p>
@@ -1778,6 +1791,7 @@
           <a:p>
             <a:fld id="{80328651-1605-4657-AF0E-ED7D56579644}" type="slidenum">
               <a:rPr lang="pt-BR" smtClean="0"/>
+              <a:pPr/>
               <a:t>‹nº›</a:t>
             </a:fld>
             <a:endParaRPr lang="pt-BR"/>
@@ -1849,7 +1863,8 @@
           <a:p>
             <a:fld id="{B07EB38F-BE36-4B26-ABD4-C095BF7D7C9E}" type="datetimeFigureOut">
               <a:rPr lang="pt-BR" smtClean="0"/>
-              <a:t>14/11/2020</a:t>
+              <a:pPr/>
+              <a:t>21/12/2020</a:t>
             </a:fld>
             <a:endParaRPr lang="pt-BR"/>
           </a:p>
@@ -1891,6 +1906,7 @@
           <a:p>
             <a:fld id="{80328651-1605-4657-AF0E-ED7D56579644}" type="slidenum">
               <a:rPr lang="pt-BR" smtClean="0"/>
+              <a:pPr/>
               <a:t>‹nº›</a:t>
             </a:fld>
             <a:endParaRPr lang="pt-BR"/>
@@ -1939,7 +1955,8 @@
           <a:p>
             <a:fld id="{B07EB38F-BE36-4B26-ABD4-C095BF7D7C9E}" type="datetimeFigureOut">
               <a:rPr lang="pt-BR" smtClean="0"/>
-              <a:t>14/11/2020</a:t>
+              <a:pPr/>
+              <a:t>21/12/2020</a:t>
             </a:fld>
             <a:endParaRPr lang="pt-BR"/>
           </a:p>
@@ -1981,6 +1998,7 @@
           <a:p>
             <a:fld id="{80328651-1605-4657-AF0E-ED7D56579644}" type="slidenum">
               <a:rPr lang="pt-BR" smtClean="0"/>
+              <a:pPr/>
               <a:t>‹nº›</a:t>
             </a:fld>
             <a:endParaRPr lang="pt-BR"/>
@@ -2211,7 +2229,8 @@
           <a:p>
             <a:fld id="{B07EB38F-BE36-4B26-ABD4-C095BF7D7C9E}" type="datetimeFigureOut">
               <a:rPr lang="pt-BR" smtClean="0"/>
-              <a:t>14/11/2020</a:t>
+              <a:pPr/>
+              <a:t>21/12/2020</a:t>
             </a:fld>
             <a:endParaRPr lang="pt-BR"/>
           </a:p>
@@ -2253,6 +2272,7 @@
           <a:p>
             <a:fld id="{80328651-1605-4657-AF0E-ED7D56579644}" type="slidenum">
               <a:rPr lang="pt-BR" smtClean="0"/>
+              <a:pPr/>
               <a:t>‹nº›</a:t>
             </a:fld>
             <a:endParaRPr lang="pt-BR"/>
@@ -2459,7 +2479,8 @@
           <a:p>
             <a:fld id="{B07EB38F-BE36-4B26-ABD4-C095BF7D7C9E}" type="datetimeFigureOut">
               <a:rPr lang="pt-BR" smtClean="0"/>
-              <a:t>14/11/2020</a:t>
+              <a:pPr/>
+              <a:t>21/12/2020</a:t>
             </a:fld>
             <a:endParaRPr lang="pt-BR"/>
           </a:p>
@@ -2501,6 +2522,7 @@
           <a:p>
             <a:fld id="{80328651-1605-4657-AF0E-ED7D56579644}" type="slidenum">
               <a:rPr lang="pt-BR" smtClean="0"/>
+              <a:pPr/>
               <a:t>‹nº›</a:t>
             </a:fld>
             <a:endParaRPr lang="pt-BR"/>
@@ -2667,7 +2689,8 @@
           <a:p>
             <a:fld id="{B07EB38F-BE36-4B26-ABD4-C095BF7D7C9E}" type="datetimeFigureOut">
               <a:rPr lang="pt-BR" smtClean="0"/>
-              <a:t>14/11/2020</a:t>
+              <a:pPr/>
+              <a:t>21/12/2020</a:t>
             </a:fld>
             <a:endParaRPr lang="pt-BR"/>
           </a:p>
@@ -2745,6 +2768,7 @@
           <a:p>
             <a:fld id="{80328651-1605-4657-AF0E-ED7D56579644}" type="slidenum">
               <a:rPr lang="pt-BR" smtClean="0"/>
+              <a:pPr/>
               <a:t>‹nº›</a:t>
             </a:fld>
             <a:endParaRPr lang="pt-BR"/>
@@ -3826,8 +3850,8 @@
         </p:nvSpPr>
         <p:spPr>
           <a:xfrm>
-            <a:off x="214282" y="142852"/>
-            <a:ext cx="8643998" cy="646331"/>
+            <a:off x="1214414" y="142852"/>
+            <a:ext cx="7286676" cy="646331"/>
           </a:xfrm>
           <a:prstGeom prst="rect">
             <a:avLst/>
@@ -3840,6 +3864,7 @@
           </a:bodyPr>
           <a:lstStyle/>
           <a:p>
+            <a:pPr algn="ctr"/>
             <a:r>
               <a:rPr lang="pt-BR" sz="3600" b="1" dirty="0" smtClean="0"/>
               <a:t>Segunda, 23 de novembro de 2020</a:t>
@@ -6003,6 +6028,297 @@
           </a:p>
         </p:txBody>
       </p:sp>
+      <p:sp>
+        <p:nvSpPr>
+          <p:cNvPr id="92" name="Divisa 91"/>
+          <p:cNvSpPr/>
+          <p:nvPr/>
+        </p:nvSpPr>
+        <p:spPr>
+          <a:xfrm rot="10800000">
+            <a:off x="1142976" y="323142"/>
+            <a:ext cx="285752" cy="285752"/>
+          </a:xfrm>
+          <a:prstGeom prst="chevron">
+            <a:avLst>
+              <a:gd name="adj" fmla="val 52000"/>
+            </a:avLst>
+          </a:prstGeom>
+          <a:solidFill>
+            <a:schemeClr val="tx1"/>
+          </a:solidFill>
+          <a:ln>
+            <a:noFill/>
+          </a:ln>
+        </p:spPr>
+        <p:style>
+          <a:lnRef idx="2">
+            <a:schemeClr val="accent1">
+              <a:shade val="50000"/>
+            </a:schemeClr>
+          </a:lnRef>
+          <a:fillRef idx="1">
+            <a:schemeClr val="accent1"/>
+          </a:fillRef>
+          <a:effectRef idx="0">
+            <a:schemeClr val="accent1"/>
+          </a:effectRef>
+          <a:fontRef idx="minor">
+            <a:schemeClr val="lt1"/>
+          </a:fontRef>
+        </p:style>
+        <p:txBody>
+          <a:bodyPr rtlCol="0" anchor="ctr"/>
+          <a:lstStyle/>
+          <a:p>
+            <a:pPr algn="ctr"/>
+            <a:endParaRPr lang="pt-BR">
+              <a:solidFill>
+                <a:schemeClr val="tx1"/>
+              </a:solidFill>
+            </a:endParaRPr>
+          </a:p>
+        </p:txBody>
+      </p:sp>
+      <p:sp>
+        <p:nvSpPr>
+          <p:cNvPr id="93" name="Divisa 92"/>
+          <p:cNvSpPr/>
+          <p:nvPr/>
+        </p:nvSpPr>
+        <p:spPr>
+          <a:xfrm>
+            <a:off x="8286776" y="323141"/>
+            <a:ext cx="285752" cy="285752"/>
+          </a:xfrm>
+          <a:prstGeom prst="chevron">
+            <a:avLst>
+              <a:gd name="adj" fmla="val 52000"/>
+            </a:avLst>
+          </a:prstGeom>
+          <a:solidFill>
+            <a:schemeClr val="tx1"/>
+          </a:solidFill>
+          <a:ln>
+            <a:noFill/>
+          </a:ln>
+        </p:spPr>
+        <p:style>
+          <a:lnRef idx="2">
+            <a:schemeClr val="accent1">
+              <a:shade val="50000"/>
+            </a:schemeClr>
+          </a:lnRef>
+          <a:fillRef idx="1">
+            <a:schemeClr val="accent1"/>
+          </a:fillRef>
+          <a:effectRef idx="0">
+            <a:schemeClr val="accent1"/>
+          </a:effectRef>
+          <a:fontRef idx="minor">
+            <a:schemeClr val="lt1"/>
+          </a:fontRef>
+        </p:style>
+        <p:txBody>
+          <a:bodyPr rtlCol="0" anchor="ctr"/>
+          <a:lstStyle/>
+          <a:p>
+            <a:pPr algn="ctr"/>
+            <a:endParaRPr lang="pt-BR">
+              <a:solidFill>
+                <a:schemeClr val="tx1"/>
+              </a:solidFill>
+            </a:endParaRPr>
+          </a:p>
+        </p:txBody>
+      </p:sp>
+      <p:sp>
+        <p:nvSpPr>
+          <p:cNvPr id="100" name="Elipse 99"/>
+          <p:cNvSpPr/>
+          <p:nvPr/>
+        </p:nvSpPr>
+        <p:spPr>
+          <a:xfrm>
+            <a:off x="-142908" y="-214338"/>
+            <a:ext cx="928694" cy="928694"/>
+          </a:xfrm>
+          <a:prstGeom prst="ellipse">
+            <a:avLst/>
+          </a:prstGeom>
+          <a:solidFill>
+            <a:schemeClr val="tx2">
+              <a:lumMod val="60000"/>
+              <a:lumOff val="40000"/>
+            </a:schemeClr>
+          </a:solidFill>
+          <a:ln>
+            <a:noFill/>
+          </a:ln>
+        </p:spPr>
+        <p:style>
+          <a:lnRef idx="2">
+            <a:schemeClr val="accent1">
+              <a:shade val="50000"/>
+            </a:schemeClr>
+          </a:lnRef>
+          <a:fillRef idx="1">
+            <a:schemeClr val="accent1"/>
+          </a:fillRef>
+          <a:effectRef idx="0">
+            <a:schemeClr val="accent1"/>
+          </a:effectRef>
+          <a:fontRef idx="minor">
+            <a:schemeClr val="lt1"/>
+          </a:fontRef>
+        </p:style>
+        <p:txBody>
+          <a:bodyPr rtlCol="0" anchor="ctr"/>
+          <a:lstStyle/>
+          <a:p>
+            <a:pPr algn="ctr"/>
+            <a:endParaRPr lang="pt-BR"/>
+          </a:p>
+        </p:txBody>
+      </p:sp>
+      <p:sp>
+        <p:nvSpPr>
+          <p:cNvPr id="103" name="Retângulo 102"/>
+          <p:cNvSpPr/>
+          <p:nvPr/>
+        </p:nvSpPr>
+        <p:spPr>
+          <a:xfrm>
+            <a:off x="214282" y="142852"/>
+            <a:ext cx="357190" cy="45719"/>
+          </a:xfrm>
+          <a:prstGeom prst="rect">
+            <a:avLst/>
+          </a:prstGeom>
+          <a:solidFill>
+            <a:schemeClr val="bg1"/>
+          </a:solidFill>
+          <a:ln>
+            <a:noFill/>
+          </a:ln>
+        </p:spPr>
+        <p:style>
+          <a:lnRef idx="2">
+            <a:schemeClr val="accent1">
+              <a:shade val="50000"/>
+            </a:schemeClr>
+          </a:lnRef>
+          <a:fillRef idx="1">
+            <a:schemeClr val="accent1"/>
+          </a:fillRef>
+          <a:effectRef idx="0">
+            <a:schemeClr val="accent1"/>
+          </a:effectRef>
+          <a:fontRef idx="minor">
+            <a:schemeClr val="lt1"/>
+          </a:fontRef>
+        </p:style>
+        <p:txBody>
+          <a:bodyPr rtlCol="0" anchor="ctr"/>
+          <a:lstStyle/>
+          <a:p>
+            <a:pPr algn="ctr"/>
+            <a:endParaRPr lang="pt-BR"/>
+          </a:p>
+        </p:txBody>
+      </p:sp>
+      <p:sp>
+        <p:nvSpPr>
+          <p:cNvPr id="104" name="Retângulo 103"/>
+          <p:cNvSpPr/>
+          <p:nvPr/>
+        </p:nvSpPr>
+        <p:spPr>
+          <a:xfrm>
+            <a:off x="214282" y="250009"/>
+            <a:ext cx="357190" cy="45719"/>
+          </a:xfrm>
+          <a:prstGeom prst="rect">
+            <a:avLst/>
+          </a:prstGeom>
+          <a:solidFill>
+            <a:schemeClr val="bg1"/>
+          </a:solidFill>
+          <a:ln>
+            <a:noFill/>
+          </a:ln>
+        </p:spPr>
+        <p:style>
+          <a:lnRef idx="2">
+            <a:schemeClr val="accent1">
+              <a:shade val="50000"/>
+            </a:schemeClr>
+          </a:lnRef>
+          <a:fillRef idx="1">
+            <a:schemeClr val="accent1"/>
+          </a:fillRef>
+          <a:effectRef idx="0">
+            <a:schemeClr val="accent1"/>
+          </a:effectRef>
+          <a:fontRef idx="minor">
+            <a:schemeClr val="lt1"/>
+          </a:fontRef>
+        </p:style>
+        <p:txBody>
+          <a:bodyPr rtlCol="0" anchor="ctr"/>
+          <a:lstStyle/>
+          <a:p>
+            <a:pPr algn="ctr"/>
+            <a:endParaRPr lang="pt-BR"/>
+          </a:p>
+        </p:txBody>
+      </p:sp>
+      <p:sp>
+        <p:nvSpPr>
+          <p:cNvPr id="105" name="Retângulo 104"/>
+          <p:cNvSpPr/>
+          <p:nvPr/>
+        </p:nvSpPr>
+        <p:spPr>
+          <a:xfrm>
+            <a:off x="214282" y="357166"/>
+            <a:ext cx="357190" cy="45719"/>
+          </a:xfrm>
+          <a:prstGeom prst="rect">
+            <a:avLst/>
+          </a:prstGeom>
+          <a:solidFill>
+            <a:schemeClr val="bg1"/>
+          </a:solidFill>
+          <a:ln>
+            <a:noFill/>
+          </a:ln>
+        </p:spPr>
+        <p:style>
+          <a:lnRef idx="2">
+            <a:schemeClr val="accent1">
+              <a:shade val="50000"/>
+            </a:schemeClr>
+          </a:lnRef>
+          <a:fillRef idx="1">
+            <a:schemeClr val="accent1"/>
+          </a:fillRef>
+          <a:effectRef idx="0">
+            <a:schemeClr val="accent1"/>
+          </a:effectRef>
+          <a:fontRef idx="minor">
+            <a:schemeClr val="lt1"/>
+          </a:fontRef>
+        </p:style>
+        <p:txBody>
+          <a:bodyPr rtlCol="0" anchor="ctr"/>
+          <a:lstStyle/>
+          <a:p>
+            <a:pPr algn="ctr"/>
+            <a:endParaRPr lang="pt-BR"/>
+          </a:p>
+        </p:txBody>
+      </p:sp>
     </p:spTree>
   </p:cSld>
   <p:clrMapOvr>
